--- a/Vi메모_1회차_발표자료.pptx
+++ b/Vi메모_1회차_발표자료.pptx
@@ -5,7 +5,7 @@
     <p:sldMasterId id="2147483660" r:id="rId1"/>
   </p:sldMasterIdLst>
   <p:notesMasterIdLst>
-    <p:notesMasterId r:id="rId17"/>
+    <p:notesMasterId r:id="rId16"/>
   </p:notesMasterIdLst>
   <p:sldIdLst>
     <p:sldId id="256" r:id="rId2"/>
@@ -22,7 +22,6 @@
     <p:sldId id="359" r:id="rId13"/>
     <p:sldId id="360" r:id="rId14"/>
     <p:sldId id="275" r:id="rId15"/>
-    <p:sldId id="361" r:id="rId16"/>
   </p:sldIdLst>
   <p:sldSz cx="9144000" cy="6858000" type="screen4x3"/>
   <p:notesSz cx="6858000" cy="9144000"/>
@@ -499,7 +498,7 @@
           <a:p>
             <a:fld id="{E7F6F9A2-9DD7-4BFD-8560-ED9D186197C6}" type="datetimeFigureOut">
               <a:rPr lang="ko-KR" altLang="en-US" smtClean="0"/>
-              <a:t>2023-09-11</a:t>
+              <a:t>2023-09-12</a:t>
             </a:fld>
             <a:endParaRPr lang="ko-KR" altLang="en-US"/>
           </a:p>
@@ -6757,36 +6756,6 @@
           <a:chExt cx="0" cy="0"/>
         </a:xfrm>
       </p:grpSpPr>
-      <p:pic>
-        <p:nvPicPr>
-          <p:cNvPr id="23" name="그림 22">
-            <a:extLst>
-              <a:ext uri="{FF2B5EF4-FFF2-40B4-BE49-F238E27FC236}">
-                <a16:creationId xmlns:a16="http://schemas.microsoft.com/office/drawing/2014/main" id="{4579734D-8BBF-4C04-35B3-63B3A1EF40A1}"/>
-              </a:ext>
-            </a:extLst>
-          </p:cNvPr>
-          <p:cNvPicPr>
-            <a:picLocks noChangeAspect="1"/>
-          </p:cNvPicPr>
-          <p:nvPr/>
-        </p:nvPicPr>
-        <p:blipFill>
-          <a:blip r:embed="rId2"/>
-          <a:stretch>
-            <a:fillRect/>
-          </a:stretch>
-        </p:blipFill>
-        <p:spPr>
-          <a:xfrm>
-            <a:off x="439947" y="1181288"/>
-            <a:ext cx="2628281" cy="5540188"/>
-          </a:xfrm>
-          <a:prstGeom prst="rect">
-            <a:avLst/>
-          </a:prstGeom>
-        </p:spPr>
-      </p:pic>
       <p:sp>
         <p:nvSpPr>
           <p:cNvPr id="2" name="제목 1">
@@ -6815,104 +6784,17 @@
           <a:p>
             <a:r>
               <a:rPr lang="ko-KR" altLang="en-US" dirty="0"/>
-              <a:t>개발현황</a:t>
-            </a:r>
-          </a:p>
-        </p:txBody>
-      </p:sp>
-    </p:spTree>
-    <p:extLst>
-      <p:ext uri="{BB962C8B-B14F-4D97-AF65-F5344CB8AC3E}">
-        <p14:creationId xmlns:p14="http://schemas.microsoft.com/office/powerpoint/2010/main" val="3838538664"/>
-      </p:ext>
-    </p:extLst>
-  </p:cSld>
-  <p:clrMapOvr>
-    <a:masterClrMapping/>
-  </p:clrMapOvr>
-</p:sld>
-</file>
-
-<file path=ppt/slides/slide15.xml><?xml version="1.0" encoding="utf-8"?>
-<p:sld xmlns:a="http://schemas.openxmlformats.org/drawingml/2006/main" xmlns:r="http://schemas.openxmlformats.org/officeDocument/2006/relationships" xmlns:p="http://schemas.openxmlformats.org/presentationml/2006/main">
-  <p:cSld>
-    <p:spTree>
-      <p:nvGrpSpPr>
-        <p:cNvPr id="1" name=""/>
-        <p:cNvGrpSpPr/>
-        <p:nvPr/>
-      </p:nvGrpSpPr>
-      <p:grpSpPr>
-        <a:xfrm>
-          <a:off x="0" y="0"/>
-          <a:ext cx="0" cy="0"/>
-          <a:chOff x="0" y="0"/>
-          <a:chExt cx="0" cy="0"/>
-        </a:xfrm>
-      </p:grpSpPr>
-      <p:sp>
-        <p:nvSpPr>
-          <p:cNvPr id="2" name="제목 1">
-            <a:extLst>
-              <a:ext uri="{FF2B5EF4-FFF2-40B4-BE49-F238E27FC236}">
-                <a16:creationId xmlns:a16="http://schemas.microsoft.com/office/drawing/2014/main" id="{6A257EED-FCD9-E39F-8E9A-7957CA763E0D}"/>
-              </a:ext>
-            </a:extLst>
-          </p:cNvPr>
-          <p:cNvSpPr>
-            <a:spLocks noGrp="1"/>
-          </p:cNvSpPr>
-          <p:nvPr>
-            <p:ph type="title"/>
-          </p:nvPr>
-        </p:nvSpPr>
-        <p:spPr/>
-        <p:txBody>
-          <a:bodyPr/>
-          <a:lstStyle/>
-          <a:p>
-            <a:r>
-              <a:rPr lang="ko-KR" altLang="en-US" dirty="0"/>
               <a:t>개발목표</a:t>
             </a:r>
-          </a:p>
-        </p:txBody>
-      </p:sp>
-      <p:sp>
-        <p:nvSpPr>
-          <p:cNvPr id="4" name="슬라이드 번호 개체 틀 3">
-            <a:extLst>
-              <a:ext uri="{FF2B5EF4-FFF2-40B4-BE49-F238E27FC236}">
-                <a16:creationId xmlns:a16="http://schemas.microsoft.com/office/drawing/2014/main" id="{1219D4FF-B5F8-0BF3-5F7B-0C4DFC249871}"/>
-              </a:ext>
-            </a:extLst>
-          </p:cNvPr>
-          <p:cNvSpPr>
-            <a:spLocks noGrp="1"/>
-          </p:cNvSpPr>
-          <p:nvPr>
-            <p:ph type="sldNum" sz="quarter" idx="12"/>
-          </p:nvPr>
-        </p:nvSpPr>
-        <p:spPr/>
-        <p:txBody>
-          <a:bodyPr/>
-          <a:lstStyle/>
-          <a:p>
-            <a:fld id="{2F00E46C-ED49-42AD-BB6D-7499E1F08A71}" type="slidenum">
-              <a:rPr lang="ko-KR" altLang="en-US" smtClean="0"/>
-              <a:t>15</a:t>
-            </a:fld>
-            <a:endParaRPr lang="ko-KR" altLang="en-US"/>
           </a:p>
         </p:txBody>
       </p:sp>
       <p:grpSp>
         <p:nvGrpSpPr>
-          <p:cNvPr id="11" name="그룹 10">
+          <p:cNvPr id="10" name="그룹 9">
             <a:extLst>
               <a:ext uri="{FF2B5EF4-FFF2-40B4-BE49-F238E27FC236}">
-                <a16:creationId xmlns:a16="http://schemas.microsoft.com/office/drawing/2014/main" id="{2B4D2A46-F676-482B-A691-5C0AF39D1D55}"/>
+                <a16:creationId xmlns:a16="http://schemas.microsoft.com/office/drawing/2014/main" id="{CAFD1E12-5D93-33E1-5FB7-268BE2B4DF96}"/>
               </a:ext>
             </a:extLst>
           </p:cNvPr>
@@ -6921,18 +6803,135 @@
         </p:nvGrpSpPr>
         <p:grpSpPr>
           <a:xfrm>
-            <a:off x="439947" y="1577787"/>
-            <a:ext cx="2566243" cy="4571719"/>
-            <a:chOff x="4558833" y="690563"/>
-            <a:chExt cx="3074334" cy="5476874"/>
+            <a:off x="1366307" y="1181288"/>
+            <a:ext cx="6411386" cy="5540188"/>
+            <a:chOff x="439947" y="1181288"/>
+            <a:chExt cx="6411386" cy="5540188"/>
           </a:xfrm>
         </p:grpSpPr>
+        <p:pic>
+          <p:nvPicPr>
+            <p:cNvPr id="23" name="그림 22">
+              <a:extLst>
+                <a:ext uri="{FF2B5EF4-FFF2-40B4-BE49-F238E27FC236}">
+                  <a16:creationId xmlns:a16="http://schemas.microsoft.com/office/drawing/2014/main" id="{4579734D-8BBF-4C04-35B3-63B3A1EF40A1}"/>
+                </a:ext>
+              </a:extLst>
+            </p:cNvPr>
+            <p:cNvPicPr>
+              <a:picLocks noChangeAspect="1"/>
+            </p:cNvPicPr>
+            <p:nvPr/>
+          </p:nvPicPr>
+          <p:blipFill>
+            <a:blip r:embed="rId2"/>
+            <a:stretch>
+              <a:fillRect/>
+            </a:stretch>
+          </p:blipFill>
+          <p:spPr>
+            <a:xfrm>
+              <a:off x="439947" y="1181288"/>
+              <a:ext cx="2628281" cy="5540188"/>
+            </a:xfrm>
+            <a:prstGeom prst="rect">
+              <a:avLst/>
+            </a:prstGeom>
+          </p:spPr>
+        </p:pic>
+        <p:grpSp>
+          <p:nvGrpSpPr>
+            <p:cNvPr id="8" name="그룹 7">
+              <a:extLst>
+                <a:ext uri="{FF2B5EF4-FFF2-40B4-BE49-F238E27FC236}">
+                  <a16:creationId xmlns:a16="http://schemas.microsoft.com/office/drawing/2014/main" id="{DD324F55-EF92-32B2-765A-3011EF788EB2}"/>
+                </a:ext>
+              </a:extLst>
+            </p:cNvPr>
+            <p:cNvGrpSpPr/>
+            <p:nvPr/>
+          </p:nvGrpSpPr>
+          <p:grpSpPr>
+            <a:xfrm>
+              <a:off x="4223052" y="1181288"/>
+              <a:ext cx="2628281" cy="5540188"/>
+              <a:chOff x="3972041" y="1181288"/>
+              <a:chExt cx="2628281" cy="5540188"/>
+            </a:xfrm>
+          </p:grpSpPr>
+          <p:pic>
+            <p:nvPicPr>
+              <p:cNvPr id="3" name="그림 2">
+                <a:extLst>
+                  <a:ext uri="{FF2B5EF4-FFF2-40B4-BE49-F238E27FC236}">
+                    <a16:creationId xmlns:a16="http://schemas.microsoft.com/office/drawing/2014/main" id="{08CDC096-0911-5198-8ACE-81547EC54A66}"/>
+                  </a:ext>
+                </a:extLst>
+              </p:cNvPr>
+              <p:cNvPicPr>
+                <a:picLocks noChangeAspect="1"/>
+              </p:cNvPicPr>
+              <p:nvPr/>
+            </p:nvPicPr>
+            <p:blipFill>
+              <a:blip r:embed="rId2"/>
+              <a:stretch>
+                <a:fillRect/>
+              </a:stretch>
+            </p:blipFill>
+            <p:spPr>
+              <a:xfrm>
+                <a:off x="3972041" y="1181288"/>
+                <a:ext cx="2628281" cy="5540188"/>
+              </a:xfrm>
+              <a:prstGeom prst="rect">
+                <a:avLst/>
+              </a:prstGeom>
+            </p:spPr>
+          </p:pic>
+          <p:pic>
+            <p:nvPicPr>
+              <p:cNvPr id="7" name="그림 6" descr="텍스트, 스크린샷, 폰트, 그래픽이(가) 표시된 사진&#10;&#10;자동 생성된 설명">
+                <a:extLst>
+                  <a:ext uri="{FF2B5EF4-FFF2-40B4-BE49-F238E27FC236}">
+                    <a16:creationId xmlns:a16="http://schemas.microsoft.com/office/drawing/2014/main" id="{46498BD5-8EA8-91A7-AA5D-D30BE28BC4D1}"/>
+                  </a:ext>
+                </a:extLst>
+              </p:cNvPr>
+              <p:cNvPicPr>
+                <a:picLocks noChangeAspect="1"/>
+              </p:cNvPicPr>
+              <p:nvPr/>
+            </p:nvPicPr>
+            <p:blipFill>
+              <a:blip r:embed="rId3">
+                <a:extLst>
+                  <a:ext uri="{28A0092B-C50C-407E-A947-70E740481C1C}">
+                    <a14:useLocalDpi xmlns:a14="http://schemas.microsoft.com/office/drawing/2010/main" val="0"/>
+                  </a:ext>
+                </a:extLst>
+              </a:blip>
+              <a:stretch>
+                <a:fillRect/>
+              </a:stretch>
+            </p:blipFill>
+            <p:spPr>
+              <a:xfrm>
+                <a:off x="4158634" y="1653148"/>
+                <a:ext cx="2260096" cy="4362169"/>
+              </a:xfrm>
+              <a:prstGeom prst="rect">
+                <a:avLst/>
+              </a:prstGeom>
+            </p:spPr>
+          </p:pic>
+        </p:grpSp>
         <p:sp>
           <p:nvSpPr>
-            <p:cNvPr id="5" name="직사각형 4">
+            <p:cNvPr id="9" name="화살표: 오른쪽 8">
               <a:extLst>
                 <a:ext uri="{FF2B5EF4-FFF2-40B4-BE49-F238E27FC236}">
-                  <a16:creationId xmlns:a16="http://schemas.microsoft.com/office/drawing/2014/main" id="{9133C97D-0480-8495-4CC0-F734E4F42F68}"/>
+                  <a16:creationId xmlns:a16="http://schemas.microsoft.com/office/drawing/2014/main" id="{26F598C7-C66D-DEE4-4103-39087B289F2B}"/>
                 </a:ext>
               </a:extLst>
             </p:cNvPr>
@@ -6941,26 +6940,30 @@
           </p:nvSpPr>
           <p:spPr>
             <a:xfrm>
-              <a:off x="4558833" y="690563"/>
-              <a:ext cx="3074334" cy="5476874"/>
+              <a:off x="3156436" y="3951382"/>
+              <a:ext cx="978408" cy="484632"/>
             </a:xfrm>
-            <a:prstGeom prst="rect">
+            <a:prstGeom prst="rightArrow">
               <a:avLst/>
             </a:prstGeom>
-            <a:blipFill>
-              <a:blip r:embed="rId2"/>
-              <a:stretch>
-                <a:fillRect/>
-              </a:stretch>
-            </a:blipFill>
+            <a:solidFill>
+              <a:srgbClr val="FF0000"/>
+            </a:solidFill>
             <a:ln>
               <a:noFill/>
             </a:ln>
+            <a:effectLst>
+              <a:outerShdw blurRad="63500" sx="102000" sy="102000" algn="ctr" rotWithShape="0">
+                <a:prstClr val="black">
+                  <a:alpha val="40000"/>
+                </a:prstClr>
+              </a:outerShdw>
+            </a:effectLst>
           </p:spPr>
           <p:style>
             <a:lnRef idx="2">
               <a:schemeClr val="accent1">
-                <a:shade val="15000"/>
+                <a:shade val="50000"/>
               </a:schemeClr>
             </a:lnRef>
             <a:fillRef idx="1">
@@ -6982,320 +6985,11 @@
             </a:p>
           </p:txBody>
         </p:sp>
-        <p:sp>
-          <p:nvSpPr>
-            <p:cNvPr id="6" name="사각형: 둥근 모서리 5">
-              <a:extLst>
-                <a:ext uri="{FF2B5EF4-FFF2-40B4-BE49-F238E27FC236}">
-                  <a16:creationId xmlns:a16="http://schemas.microsoft.com/office/drawing/2014/main" id="{87373FE4-0315-93EF-1704-59D783FA4459}"/>
-                </a:ext>
-              </a:extLst>
-            </p:cNvPr>
-            <p:cNvSpPr/>
-            <p:nvPr/>
-          </p:nvSpPr>
-          <p:spPr>
-            <a:xfrm>
-              <a:off x="5002866" y="1167934"/>
-              <a:ext cx="2140884" cy="2140884"/>
-            </a:xfrm>
-            <a:prstGeom prst="roundRect">
-              <a:avLst>
-                <a:gd name="adj" fmla="val 50000"/>
-              </a:avLst>
-            </a:prstGeom>
-            <a:solidFill>
-              <a:schemeClr val="bg1">
-                <a:alpha val="40000"/>
-              </a:schemeClr>
-            </a:solidFill>
-            <a:ln>
-              <a:noFill/>
-            </a:ln>
-            <a:effectLst>
-              <a:outerShdw sx="115000" sy="115000" algn="ctr" rotWithShape="0">
-                <a:schemeClr val="bg1">
-                  <a:alpha val="40000"/>
-                </a:schemeClr>
-              </a:outerShdw>
-            </a:effectLst>
-          </p:spPr>
-          <p:style>
-            <a:lnRef idx="2">
-              <a:schemeClr val="accent1">
-                <a:shade val="15000"/>
-              </a:schemeClr>
-            </a:lnRef>
-            <a:fillRef idx="1">
-              <a:schemeClr val="accent1"/>
-            </a:fillRef>
-            <a:effectRef idx="0">
-              <a:schemeClr val="accent1"/>
-            </a:effectRef>
-            <a:fontRef idx="minor">
-              <a:schemeClr val="lt1"/>
-            </a:fontRef>
-          </p:style>
-          <p:txBody>
-            <a:bodyPr rtlCol="0" anchor="ctr"/>
-            <a:lstStyle/>
-            <a:p>
-              <a:pPr algn="ctr"/>
-              <a:endParaRPr lang="ko-KR" altLang="en-US"/>
-            </a:p>
-          </p:txBody>
-        </p:sp>
-        <p:sp>
-          <p:nvSpPr>
-            <p:cNvPr id="7" name="사각형: 둥근 모서리 6">
-              <a:extLst>
-                <a:ext uri="{FF2B5EF4-FFF2-40B4-BE49-F238E27FC236}">
-                  <a16:creationId xmlns:a16="http://schemas.microsoft.com/office/drawing/2014/main" id="{39F22573-1458-762A-BF61-AC261BE5F787}"/>
-                </a:ext>
-              </a:extLst>
-            </p:cNvPr>
-            <p:cNvSpPr/>
-            <p:nvPr/>
-          </p:nvSpPr>
-          <p:spPr>
-            <a:xfrm>
-              <a:off x="4781550" y="3869532"/>
-              <a:ext cx="2628900" cy="500061"/>
-            </a:xfrm>
-            <a:prstGeom prst="roundRect">
-              <a:avLst>
-                <a:gd name="adj" fmla="val 50000"/>
-              </a:avLst>
-            </a:prstGeom>
-            <a:solidFill>
-              <a:schemeClr val="bg1"/>
-            </a:solidFill>
-            <a:ln>
-              <a:noFill/>
-            </a:ln>
-            <a:effectLst>
-              <a:outerShdw blurRad="12700" dist="38100" dir="5400000" algn="t" rotWithShape="0">
-                <a:prstClr val="black">
-                  <a:alpha val="40000"/>
-                </a:prstClr>
-              </a:outerShdw>
-            </a:effectLst>
-          </p:spPr>
-          <p:style>
-            <a:lnRef idx="2">
-              <a:schemeClr val="accent1">
-                <a:shade val="15000"/>
-              </a:schemeClr>
-            </a:lnRef>
-            <a:fillRef idx="1">
-              <a:schemeClr val="accent1"/>
-            </a:fillRef>
-            <a:effectRef idx="0">
-              <a:schemeClr val="accent1"/>
-            </a:effectRef>
-            <a:fontRef idx="minor">
-              <a:schemeClr val="lt1"/>
-            </a:fontRef>
-          </p:style>
-          <p:txBody>
-            <a:bodyPr rtlCol="0" anchor="ctr"/>
-            <a:lstStyle/>
-            <a:p>
-              <a:pPr algn="ctr"/>
-              <a:r>
-                <a:rPr lang="ko-KR" altLang="en-US" sz="1600" dirty="0">
-                  <a:solidFill>
-                    <a:srgbClr val="701589"/>
-                  </a:solidFill>
-                  <a:latin typeface="나눔고딕 ExtraBold" panose="020D0904000000000000" pitchFamily="50" charset="-127"/>
-                  <a:ea typeface="나눔고딕 ExtraBold" panose="020D0904000000000000" pitchFamily="50" charset="-127"/>
-                </a:rPr>
-                <a:t>음성메모</a:t>
-              </a:r>
-            </a:p>
-          </p:txBody>
-        </p:sp>
-        <p:pic>
-          <p:nvPicPr>
-            <p:cNvPr id="8" name="그림 7" descr="로고, 그래픽, 상징이(가) 표시된 사진&#10;&#10;자동 생성된 설명">
-              <a:extLst>
-                <a:ext uri="{FF2B5EF4-FFF2-40B4-BE49-F238E27FC236}">
-                  <a16:creationId xmlns:a16="http://schemas.microsoft.com/office/drawing/2014/main" id="{34433897-FEBD-CB55-C4F0-9BC940759FC5}"/>
-                </a:ext>
-              </a:extLst>
-            </p:cNvPr>
-            <p:cNvPicPr>
-              <a:picLocks noChangeAspect="1"/>
-            </p:cNvPicPr>
-            <p:nvPr/>
-          </p:nvPicPr>
-          <p:blipFill>
-            <a:blip r:embed="rId3">
-              <a:extLst>
-                <a:ext uri="{28A0092B-C50C-407E-A947-70E740481C1C}">
-                  <a14:useLocalDpi xmlns:a14="http://schemas.microsoft.com/office/drawing/2010/main" val="0"/>
-                </a:ext>
-              </a:extLst>
-            </a:blip>
-            <a:stretch>
-              <a:fillRect/>
-            </a:stretch>
-          </p:blipFill>
-          <p:spPr>
-            <a:xfrm>
-              <a:off x="5245754" y="1501308"/>
-              <a:ext cx="1583672" cy="1583672"/>
-            </a:xfrm>
-            <a:prstGeom prst="rect">
-              <a:avLst/>
-            </a:prstGeom>
-          </p:spPr>
-        </p:pic>
-        <p:sp>
-          <p:nvSpPr>
-            <p:cNvPr id="9" name="사각형: 둥근 모서리 8">
-              <a:extLst>
-                <a:ext uri="{FF2B5EF4-FFF2-40B4-BE49-F238E27FC236}">
-                  <a16:creationId xmlns:a16="http://schemas.microsoft.com/office/drawing/2014/main" id="{F296217F-92F6-99A2-AA7D-FF0A59058BBC}"/>
-                </a:ext>
-              </a:extLst>
-            </p:cNvPr>
-            <p:cNvSpPr/>
-            <p:nvPr/>
-          </p:nvSpPr>
-          <p:spPr>
-            <a:xfrm>
-              <a:off x="4781550" y="4488097"/>
-              <a:ext cx="2628900" cy="500061"/>
-            </a:xfrm>
-            <a:prstGeom prst="roundRect">
-              <a:avLst>
-                <a:gd name="adj" fmla="val 50000"/>
-              </a:avLst>
-            </a:prstGeom>
-            <a:solidFill>
-              <a:srgbClr val="FFFF00"/>
-            </a:solidFill>
-            <a:ln>
-              <a:noFill/>
-            </a:ln>
-            <a:effectLst>
-              <a:outerShdw blurRad="12700" dist="38100" dir="5400000" algn="t" rotWithShape="0">
-                <a:prstClr val="black">
-                  <a:alpha val="40000"/>
-                </a:prstClr>
-              </a:outerShdw>
-            </a:effectLst>
-          </p:spPr>
-          <p:style>
-            <a:lnRef idx="2">
-              <a:schemeClr val="accent1">
-                <a:shade val="15000"/>
-              </a:schemeClr>
-            </a:lnRef>
-            <a:fillRef idx="1">
-              <a:schemeClr val="accent1"/>
-            </a:fillRef>
-            <a:effectRef idx="0">
-              <a:schemeClr val="accent1"/>
-            </a:effectRef>
-            <a:fontRef idx="minor">
-              <a:schemeClr val="lt1"/>
-            </a:fontRef>
-          </p:style>
-          <p:txBody>
-            <a:bodyPr rtlCol="0" anchor="ctr"/>
-            <a:lstStyle/>
-            <a:p>
-              <a:pPr algn="ctr"/>
-              <a:r>
-                <a:rPr lang="ko-KR" altLang="en-US" sz="1600" dirty="0">
-                  <a:solidFill>
-                    <a:srgbClr val="701589"/>
-                  </a:solidFill>
-                  <a:latin typeface="나눔고딕 ExtraBold" panose="020D0904000000000000" pitchFamily="50" charset="-127"/>
-                  <a:ea typeface="나눔고딕 ExtraBold" panose="020D0904000000000000" pitchFamily="50" charset="-127"/>
-                </a:rPr>
-                <a:t>음성메모</a:t>
-              </a:r>
-            </a:p>
-          </p:txBody>
-        </p:sp>
-        <p:sp>
-          <p:nvSpPr>
-            <p:cNvPr id="10" name="사각형: 둥근 모서리 9">
-              <a:extLst>
-                <a:ext uri="{FF2B5EF4-FFF2-40B4-BE49-F238E27FC236}">
-                  <a16:creationId xmlns:a16="http://schemas.microsoft.com/office/drawing/2014/main" id="{3459D95F-319A-471C-DE16-EDCB3D57C5EE}"/>
-                </a:ext>
-              </a:extLst>
-            </p:cNvPr>
-            <p:cNvSpPr/>
-            <p:nvPr/>
-          </p:nvSpPr>
-          <p:spPr>
-            <a:xfrm>
-              <a:off x="4781550" y="5106662"/>
-              <a:ext cx="2628900" cy="500061"/>
-            </a:xfrm>
-            <a:prstGeom prst="roundRect">
-              <a:avLst>
-                <a:gd name="adj" fmla="val 50000"/>
-              </a:avLst>
-            </a:prstGeom>
-            <a:solidFill>
-              <a:schemeClr val="bg1"/>
-            </a:solidFill>
-            <a:ln>
-              <a:noFill/>
-            </a:ln>
-            <a:effectLst>
-              <a:outerShdw blurRad="12700" dist="38100" dir="5400000" algn="t" rotWithShape="0">
-                <a:prstClr val="black">
-                  <a:alpha val="40000"/>
-                </a:prstClr>
-              </a:outerShdw>
-            </a:effectLst>
-          </p:spPr>
-          <p:style>
-            <a:lnRef idx="2">
-              <a:schemeClr val="accent1">
-                <a:shade val="15000"/>
-              </a:schemeClr>
-            </a:lnRef>
-            <a:fillRef idx="1">
-              <a:schemeClr val="accent1"/>
-            </a:fillRef>
-            <a:effectRef idx="0">
-              <a:schemeClr val="accent1"/>
-            </a:effectRef>
-            <a:fontRef idx="minor">
-              <a:schemeClr val="lt1"/>
-            </a:fontRef>
-          </p:style>
-          <p:txBody>
-            <a:bodyPr rtlCol="0" anchor="ctr"/>
-            <a:lstStyle/>
-            <a:p>
-              <a:pPr algn="ctr"/>
-              <a:r>
-                <a:rPr lang="ko-KR" altLang="en-US" sz="1600" dirty="0">
-                  <a:solidFill>
-                    <a:srgbClr val="701589"/>
-                  </a:solidFill>
-                  <a:latin typeface="나눔고딕 ExtraBold" panose="020D0904000000000000" pitchFamily="50" charset="-127"/>
-                  <a:ea typeface="나눔고딕 ExtraBold" panose="020D0904000000000000" pitchFamily="50" charset="-127"/>
-                </a:rPr>
-                <a:t>음성메모</a:t>
-              </a:r>
-            </a:p>
-          </p:txBody>
-        </p:sp>
       </p:grpSp>
     </p:spTree>
     <p:extLst>
       <p:ext uri="{BB962C8B-B14F-4D97-AF65-F5344CB8AC3E}">
-        <p14:creationId xmlns:p14="http://schemas.microsoft.com/office/powerpoint/2010/main" val="2418564046"/>
+        <p14:creationId xmlns:p14="http://schemas.microsoft.com/office/powerpoint/2010/main" val="3838538664"/>
       </p:ext>
     </p:extLst>
   </p:cSld>

--- a/Vi메모_1회차_발표자료.pptx
+++ b/Vi메모_1회차_발표자료.pptx
@@ -498,7 +498,7 @@
           <a:p>
             <a:fld id="{E7F6F9A2-9DD7-4BFD-8560-ED9D186197C6}" type="datetimeFigureOut">
               <a:rPr lang="ko-KR" altLang="en-US" smtClean="0"/>
-              <a:t>2023-09-12</a:t>
+              <a:t>2023-09-23</a:t>
             </a:fld>
             <a:endParaRPr lang="ko-KR" altLang="en-US"/>
           </a:p>
